--- a/2019-06-19_sustained.pptx
+++ b/2019-06-19_sustained.pptx
@@ -6,7 +6,7 @@
     <p:sldMasterId id="2147483669" r:id="rId2"/>
   </p:sldMasterIdLst>
   <p:notesMasterIdLst>
-    <p:notesMasterId r:id="rId17"/>
+    <p:notesMasterId r:id="rId18"/>
   </p:notesMasterIdLst>
   <p:sldIdLst>
     <p:sldId id="256" r:id="rId3"/>
@@ -22,7 +22,8 @@
     <p:sldId id="279" r:id="rId13"/>
     <p:sldId id="281" r:id="rId14"/>
     <p:sldId id="282" r:id="rId15"/>
-    <p:sldId id="280" r:id="rId16"/>
+    <p:sldId id="283" r:id="rId16"/>
+    <p:sldId id="280" r:id="rId17"/>
   </p:sldIdLst>
   <p:sldSz cx="12192000" cy="6858000"/>
   <p:notesSz cx="6858000" cy="9144000"/>
@@ -143,6 +144,7 @@
             <p14:sldId id="279"/>
             <p14:sldId id="281"/>
             <p14:sldId id="282"/>
+            <p14:sldId id="283"/>
             <p14:sldId id="280"/>
           </p14:sldIdLst>
         </p14:section>
@@ -240,7 +242,7 @@
           <a:p>
             <a:fld id="{A5479DA3-0AA3-4449-B961-BDF7184C9B82}" type="datetimeFigureOut">
               <a:rPr lang="de-DE" smtClean="0"/>
-              <a:t>20.06.2019</a:t>
+              <a:t>02.07.2019</a:t>
             </a:fld>
             <a:endParaRPr lang="de-DE"/>
           </a:p>
@@ -933,7 +935,7 @@
           <a:p>
             <a:fld id="{F16B0610-2A41-4147-9028-430DB42FBA95}" type="datetimeFigureOut">
               <a:rPr lang="de-DE" smtClean="0"/>
-              <a:t>20.06.2019</a:t>
+              <a:t>02.07.2019</a:t>
             </a:fld>
             <a:endParaRPr lang="de-DE" dirty="0"/>
           </a:p>
@@ -1108,7 +1110,7 @@
           <a:p>
             <a:fld id="{F16B0610-2A41-4147-9028-430DB42FBA95}" type="datetimeFigureOut">
               <a:rPr lang="de-DE" smtClean="0"/>
-              <a:t>20.06.2019</a:t>
+              <a:t>02.07.2019</a:t>
             </a:fld>
             <a:endParaRPr lang="de-DE"/>
           </a:p>
@@ -1313,7 +1315,7 @@
           <a:p>
             <a:fld id="{F16B0610-2A41-4147-9028-430DB42FBA95}" type="datetimeFigureOut">
               <a:rPr lang="de-DE" smtClean="0"/>
-              <a:t>20.06.2019</a:t>
+              <a:t>02.07.2019</a:t>
             </a:fld>
             <a:endParaRPr lang="de-DE"/>
           </a:p>
@@ -2135,7 +2137,7 @@
           <a:p>
             <a:fld id="{F16B0610-2A41-4147-9028-430DB42FBA95}" type="datetimeFigureOut">
               <a:rPr lang="de-DE" smtClean="0"/>
-              <a:t>20.06.2019</a:t>
+              <a:t>02.07.2019</a:t>
             </a:fld>
             <a:endParaRPr lang="de-DE"/>
           </a:p>
@@ -4832,6 +4834,156 @@
           <p:cNvPr id="2" name="Titel 1">
             <a:extLst>
               <a:ext uri="{FF2B5EF4-FFF2-40B4-BE49-F238E27FC236}">
+                <a16:creationId xmlns:a16="http://schemas.microsoft.com/office/drawing/2014/main" id="{8D2CDA43-AF2C-4A74-A960-EFB959E5E259}"/>
+              </a:ext>
+            </a:extLst>
+          </p:cNvPr>
+          <p:cNvSpPr>
+            <a:spLocks noGrp="1"/>
+          </p:cNvSpPr>
+          <p:nvPr>
+            <p:ph type="title"/>
+          </p:nvPr>
+        </p:nvSpPr>
+        <p:spPr/>
+        <p:txBody>
+          <a:bodyPr>
+            <a:normAutofit fontScale="90000"/>
+          </a:bodyPr>
+          <a:lstStyle/>
+          <a:p>
+            <a:r>
+              <a:rPr lang="de-DE" dirty="0"/>
+              <a:t>3T </a:t>
+            </a:r>
+            <a:r>
+              <a:rPr lang="de-DE" dirty="0" err="1"/>
+              <a:t>Subject</a:t>
+            </a:r>
+            <a:endParaRPr lang="de-DE" dirty="0"/>
+          </a:p>
+        </p:txBody>
+      </p:sp>
+      <p:sp>
+        <p:nvSpPr>
+          <p:cNvPr id="3" name="Textplatzhalter 2">
+            <a:extLst>
+              <a:ext uri="{FF2B5EF4-FFF2-40B4-BE49-F238E27FC236}">
+                <a16:creationId xmlns:a16="http://schemas.microsoft.com/office/drawing/2014/main" id="{E0BEF8DC-53A4-4747-A95F-771A0F9DF46E}"/>
+              </a:ext>
+            </a:extLst>
+          </p:cNvPr>
+          <p:cNvSpPr>
+            <a:spLocks noGrp="1"/>
+          </p:cNvSpPr>
+          <p:nvPr>
+            <p:ph type="body" sz="quarter" idx="13"/>
+          </p:nvPr>
+        </p:nvSpPr>
+        <p:spPr/>
+        <p:txBody>
+          <a:bodyPr/>
+          <a:lstStyle/>
+          <a:p>
+            <a:endParaRPr lang="de-DE"/>
+          </a:p>
+        </p:txBody>
+      </p:sp>
+      <p:pic>
+        <p:nvPicPr>
+          <p:cNvPr id="4" name="Grafik 3">
+            <a:extLst>
+              <a:ext uri="{FF2B5EF4-FFF2-40B4-BE49-F238E27FC236}">
+                <a16:creationId xmlns:a16="http://schemas.microsoft.com/office/drawing/2014/main" id="{75525322-F59C-4596-A818-65EC08F84CA0}"/>
+              </a:ext>
+            </a:extLst>
+          </p:cNvPr>
+          <p:cNvPicPr>
+            <a:picLocks noChangeAspect="1"/>
+          </p:cNvPicPr>
+          <p:nvPr/>
+        </p:nvPicPr>
+        <p:blipFill>
+          <a:blip r:embed="rId2"/>
+          <a:stretch>
+            <a:fillRect/>
+          </a:stretch>
+        </p:blipFill>
+        <p:spPr>
+          <a:xfrm>
+            <a:off x="150851" y="1056206"/>
+            <a:ext cx="5106503" cy="3831188"/>
+          </a:xfrm>
+          <a:prstGeom prst="rect">
+            <a:avLst/>
+          </a:prstGeom>
+        </p:spPr>
+      </p:pic>
+      <p:pic>
+        <p:nvPicPr>
+          <p:cNvPr id="5" name="Grafik 4">
+            <a:extLst>
+              <a:ext uri="{FF2B5EF4-FFF2-40B4-BE49-F238E27FC236}">
+                <a16:creationId xmlns:a16="http://schemas.microsoft.com/office/drawing/2014/main" id="{F441D8A2-113F-42BD-8748-ACA94A8D375D}"/>
+              </a:ext>
+            </a:extLst>
+          </p:cNvPr>
+          <p:cNvPicPr>
+            <a:picLocks noChangeAspect="1"/>
+          </p:cNvPicPr>
+          <p:nvPr/>
+        </p:nvPicPr>
+        <p:blipFill>
+          <a:blip r:embed="rId3"/>
+          <a:stretch>
+            <a:fillRect/>
+          </a:stretch>
+        </p:blipFill>
+        <p:spPr>
+          <a:xfrm>
+            <a:off x="6040988" y="1456753"/>
+            <a:ext cx="4522996" cy="3544923"/>
+          </a:xfrm>
+          <a:prstGeom prst="rect">
+            <a:avLst/>
+          </a:prstGeom>
+        </p:spPr>
+      </p:pic>
+    </p:spTree>
+    <p:extLst>
+      <p:ext uri="{BB962C8B-B14F-4D97-AF65-F5344CB8AC3E}">
+        <p14:creationId xmlns:p14="http://schemas.microsoft.com/office/powerpoint/2010/main" val="1542177220"/>
+      </p:ext>
+    </p:extLst>
+  </p:cSld>
+  <p:clrMapOvr>
+    <a:masterClrMapping/>
+  </p:clrMapOvr>
+</p:sld>
+</file>
+
+<file path=ppt/slides/slide15.xml><?xml version="1.0" encoding="utf-8"?>
+<p:sld xmlns:a="http://schemas.openxmlformats.org/drawingml/2006/main" xmlns:r="http://schemas.openxmlformats.org/officeDocument/2006/relationships" xmlns:p="http://schemas.openxmlformats.org/presentationml/2006/main">
+  <p:cSld>
+    <p:spTree>
+      <p:nvGrpSpPr>
+        <p:cNvPr id="1" name=""/>
+        <p:cNvGrpSpPr/>
+        <p:nvPr/>
+      </p:nvGrpSpPr>
+      <p:grpSpPr>
+        <a:xfrm>
+          <a:off x="0" y="0"/>
+          <a:ext cx="0" cy="0"/>
+          <a:chOff x="0" y="0"/>
+          <a:chExt cx="0" cy="0"/>
+        </a:xfrm>
+      </p:grpSpPr>
+      <p:sp>
+        <p:nvSpPr>
+          <p:cNvPr id="2" name="Titel 1">
+            <a:extLst>
+              <a:ext uri="{FF2B5EF4-FFF2-40B4-BE49-F238E27FC236}">
                 <a16:creationId xmlns:a16="http://schemas.microsoft.com/office/drawing/2014/main" id="{1BBED63B-112F-41BB-9DC9-E92A23BC2F17}"/>
               </a:ext>
             </a:extLst>
@@ -5177,7 +5329,7 @@
           </a:bodyPr>
           <a:lstStyle/>
           <a:p>
-            <a:endParaRPr lang="de-DE"/>
+            <a:endParaRPr lang="de-DE" dirty="0"/>
           </a:p>
         </p:txBody>
       </p:sp>
@@ -5202,7 +5354,7 @@
           <a:bodyPr/>
           <a:lstStyle/>
           <a:p>
-            <a:endParaRPr lang="de-DE"/>
+            <a:endParaRPr lang="de-DE" dirty="0"/>
           </a:p>
         </p:txBody>
       </p:sp>
@@ -6837,7 +6989,7 @@
           <a:bodyPr/>
           <a:lstStyle/>
           <a:p>
-            <a:endParaRPr lang="de-DE"/>
+            <a:endParaRPr lang="de-DE" dirty="0"/>
           </a:p>
         </p:txBody>
       </p:sp>
